--- a/2401089 손성호 영진전문대 중간과제 제출.pptx
+++ b/2401089 손성호 영진전문대 중간과제 제출.pptx
@@ -6625,11 +6625,28 @@
         <a:bodyPr/>
         <a:lstStyle/>
         <a:p>
+          <a:pPr rtl="0"/>
           <a:r>
-            <a:rPr lang="ko-KR"/>
-            <a:t>시간이 지나도 낮지 않은 액션 및 대전 게임. 강력한 라이브러리를 구축하여 진입장벽을 낮추기</a:t>
+            <a:rPr lang="ko-KR" altLang="en-US" dirty="0">
+              <a:latin typeface="맑은 고딕" panose="020F0302020204030204"/>
+            </a:rPr>
+            <a:t>액션</a:t>
           </a:r>
-          <a:endParaRPr lang="en-US"/>
+          <a:r>
+            <a:rPr lang="ko-KR" dirty="0"/>
+            <a:t> 및 대전 </a:t>
+          </a:r>
+          <a:r>
+            <a:rPr lang="ko-KR" altLang="en-US" dirty="0">
+              <a:latin typeface="맑은 고딕" panose="020F0302020204030204"/>
+            </a:rPr>
+            <a:t>게임에 특화된</a:t>
+          </a:r>
+          <a:r>
+            <a:rPr lang="ko-KR" dirty="0"/>
+            <a:t> 강력한 라이브러리를 구축하여 진입장벽을 낮추기</a:t>
+          </a:r>
+          <a:endParaRPr lang="en-US" dirty="0"/>
         </a:p>
       </dgm:t>
     </dgm:pt>
@@ -6663,10 +6680,10 @@
         <a:lstStyle/>
         <a:p>
           <a:r>
-            <a:rPr lang="ko-KR"/>
+            <a:rPr lang="ko-KR" dirty="0"/>
             <a:t>전투상황 비전투상황 가리지 않고 자주적으로 행동하는 AI 만들기</a:t>
           </a:r>
-          <a:endParaRPr lang="en-US"/>
+          <a:endParaRPr lang="en-US" dirty="0"/>
         </a:p>
       </dgm:t>
     </dgm:pt>
@@ -6700,10 +6717,10 @@
         <a:lstStyle/>
         <a:p>
           <a:r>
-            <a:rPr lang="ko-KR"/>
+            <a:rPr lang="ko-KR" dirty="0"/>
             <a:t>실제 사람이 대전하는 것 같은 느낌의 효율적인 AI Task 구현하기.</a:t>
           </a:r>
-          <a:endParaRPr lang="en-US"/>
+          <a:endParaRPr lang="en-US" dirty="0"/>
         </a:p>
       </dgm:t>
     </dgm:pt>
@@ -6737,10 +6754,18 @@
         <a:lstStyle/>
         <a:p>
           <a:r>
-            <a:rPr lang="ko-KR"/>
-            <a:t>게임 데이터 생성 및 저장, 대전 장르에서 재미 또는 조작감에 영향을 주고 자주 사용하는 시스템 또는 유틸 만들기</a:t>
+            <a:rPr lang="ko-KR" dirty="0"/>
+            <a:t>게임 데이터 생성 및 저장, 대전 장르에서 재미 또는 조작감에 영향을 주고 자주 사용하는 시스템 또는 </a:t>
           </a:r>
-          <a:endParaRPr lang="en-US"/>
+          <a:r>
+            <a:rPr lang="ko-KR" dirty="0" err="1"/>
+            <a:t>유틸</a:t>
+          </a:r>
+          <a:r>
+            <a:rPr lang="ko-KR" dirty="0"/>
+            <a:t> 만들기</a:t>
+          </a:r>
+          <a:endParaRPr lang="en-US" dirty="0"/>
         </a:p>
       </dgm:t>
     </dgm:pt>
@@ -8645,7 +8670,7 @@
         </a:bodyPr>
         <a:lstStyle/>
         <a:p>
-          <a:pPr marL="0" lvl="0" indent="0" algn="l" defTabSz="889000">
+          <a:pPr marL="0" lvl="0" indent="0" algn="l" defTabSz="889000" rtl="0">
             <a:lnSpc>
               <a:spcPct val="90000"/>
             </a:lnSpc>
@@ -8658,10 +8683,26 @@
             <a:buNone/>
           </a:pPr>
           <a:r>
-            <a:rPr lang="ko-KR" sz="2000" kern="1200"/>
-            <a:t>시간이 지나도 낮지 않은 액션 및 대전 게임. 강력한 라이브러리를 구축하여 진입장벽을 낮추기</a:t>
+            <a:rPr lang="ko-KR" altLang="en-US" sz="2000" kern="1200" dirty="0">
+              <a:latin typeface="맑은 고딕" panose="020F0302020204030204"/>
+            </a:rPr>
+            <a:t>액션</a:t>
           </a:r>
-          <a:endParaRPr lang="en-US" sz="2000" kern="1200"/>
+          <a:r>
+            <a:rPr lang="ko-KR" sz="2000" kern="1200" dirty="0"/>
+            <a:t> 및 대전 </a:t>
+          </a:r>
+          <a:r>
+            <a:rPr lang="ko-KR" altLang="en-US" sz="2000" kern="1200" dirty="0">
+              <a:latin typeface="맑은 고딕" panose="020F0302020204030204"/>
+            </a:rPr>
+            <a:t>게임에 특화된</a:t>
+          </a:r>
+          <a:r>
+            <a:rPr lang="ko-KR" sz="2000" kern="1200" dirty="0"/>
+            <a:t> 강력한 라이브러리를 구축하여 진입장벽을 낮추기</a:t>
+          </a:r>
+          <a:endParaRPr lang="en-US" sz="2000" kern="1200" dirty="0"/>
         </a:p>
       </dsp:txBody>
       <dsp:txXfrm>
@@ -8769,10 +8810,10 @@
             <a:buNone/>
           </a:pPr>
           <a:r>
-            <a:rPr lang="ko-KR" sz="2000" kern="1200"/>
+            <a:rPr lang="ko-KR" sz="2000" kern="1200" dirty="0"/>
             <a:t>전투상황 비전투상황 가리지 않고 자주적으로 행동하는 AI 만들기</a:t>
           </a:r>
-          <a:endParaRPr lang="en-US" sz="2000" kern="1200"/>
+          <a:endParaRPr lang="en-US" sz="2000" kern="1200" dirty="0"/>
         </a:p>
       </dsp:txBody>
       <dsp:txXfrm>
@@ -8880,10 +8921,10 @@
             <a:buNone/>
           </a:pPr>
           <a:r>
-            <a:rPr lang="ko-KR" sz="2000" kern="1200"/>
+            <a:rPr lang="ko-KR" sz="2000" kern="1200" dirty="0"/>
             <a:t>실제 사람이 대전하는 것 같은 느낌의 효율적인 AI Task 구현하기.</a:t>
           </a:r>
-          <a:endParaRPr lang="en-US" sz="2000" kern="1200"/>
+          <a:endParaRPr lang="en-US" sz="2000" kern="1200" dirty="0"/>
         </a:p>
       </dsp:txBody>
       <dsp:txXfrm>
@@ -8991,10 +9032,18 @@
             <a:buNone/>
           </a:pPr>
           <a:r>
-            <a:rPr lang="ko-KR" sz="2000" kern="1200"/>
-            <a:t>게임 데이터 생성 및 저장, 대전 장르에서 재미 또는 조작감에 영향을 주고 자주 사용하는 시스템 또는 유틸 만들기</a:t>
+            <a:rPr lang="ko-KR" sz="2000" kern="1200" dirty="0"/>
+            <a:t>게임 데이터 생성 및 저장, 대전 장르에서 재미 또는 조작감에 영향을 주고 자주 사용하는 시스템 또는 </a:t>
           </a:r>
-          <a:endParaRPr lang="en-US" sz="2000" kern="1200"/>
+          <a:r>
+            <a:rPr lang="ko-KR" sz="2000" kern="1200" dirty="0" err="1"/>
+            <a:t>유틸</a:t>
+          </a:r>
+          <a:r>
+            <a:rPr lang="ko-KR" sz="2000" kern="1200" dirty="0"/>
+            <a:t> 만들기</a:t>
+          </a:r>
+          <a:endParaRPr lang="en-US" sz="2000" kern="1200" dirty="0"/>
         </a:p>
       </dsp:txBody>
       <dsp:txXfrm>
